--- a/FloodMappingWorkshop.pptx
+++ b/FloodMappingWorkshop.pptx
@@ -227,7 +227,7 @@
           <a:p>
             <a:fld id="{6AEAE0EB-25CF-2F46-843C-1A0CFED83F3C}" type="datetimeFigureOut">
               <a:rPr lang="en-US" smtClean="0"/>
-              <a:t>9/17/14</a:t>
+              <a:t>9/18/14</a:t>
             </a:fld>
             <a:endParaRPr lang="en-US"/>
           </a:p>
@@ -393,7 +393,7 @@
           <a:p>
             <a:fld id="{37762B48-3789-7C45-9DAE-CD684899197F}" type="datetimeFigureOut">
               <a:rPr lang="en-US" smtClean="0"/>
-              <a:t>9/17/14</a:t>
+              <a:t>9/18/14</a:t>
             </a:fld>
             <a:endParaRPr lang="en-US"/>
           </a:p>
@@ -843,7 +843,7 @@
           <a:p>
             <a:fld id="{782C590E-73E6-BE4C-8D17-32B84AC12780}" type="datetime1">
               <a:rPr lang="en-US" smtClean="0"/>
-              <a:t>9/17/14</a:t>
+              <a:t>9/18/14</a:t>
             </a:fld>
             <a:endParaRPr lang="en-US"/>
           </a:p>
@@ -1013,7 +1013,7 @@
           <a:p>
             <a:fld id="{62A5A434-B217-3043-9FB0-91DFE224FB01}" type="datetime1">
               <a:rPr lang="en-US" smtClean="0"/>
-              <a:t>9/17/14</a:t>
+              <a:t>9/18/14</a:t>
             </a:fld>
             <a:endParaRPr lang="en-US"/>
           </a:p>
@@ -1193,7 +1193,7 @@
           <a:p>
             <a:fld id="{53968034-2EFD-7D4F-993E-D3A003C8BD11}" type="datetime1">
               <a:rPr lang="en-US" smtClean="0"/>
-              <a:t>9/17/14</a:t>
+              <a:t>9/18/14</a:t>
             </a:fld>
             <a:endParaRPr lang="en-US"/>
           </a:p>
@@ -1363,7 +1363,7 @@
           <a:p>
             <a:fld id="{B96177CD-2479-6842-BB82-2B2C44E50D47}" type="datetime1">
               <a:rPr lang="en-US" smtClean="0"/>
-              <a:t>9/17/14</a:t>
+              <a:t>9/18/14</a:t>
             </a:fld>
             <a:endParaRPr lang="en-US"/>
           </a:p>
@@ -1609,7 +1609,7 @@
           <a:p>
             <a:fld id="{3F2555FD-18D1-2643-AB9E-55E248901A68}" type="datetime1">
               <a:rPr lang="en-US" smtClean="0"/>
-              <a:t>9/17/14</a:t>
+              <a:t>9/18/14</a:t>
             </a:fld>
             <a:endParaRPr lang="en-US"/>
           </a:p>
@@ -1897,7 +1897,7 @@
           <a:p>
             <a:fld id="{0AC77C15-3837-304F-AEA1-ADC2CE3CD97D}" type="datetime1">
               <a:rPr lang="en-US" smtClean="0"/>
-              <a:t>9/17/14</a:t>
+              <a:t>9/18/14</a:t>
             </a:fld>
             <a:endParaRPr lang="en-US"/>
           </a:p>
@@ -2319,7 +2319,7 @@
           <a:p>
             <a:fld id="{519ED786-5B7C-B746-963E-20BE429A27AB}" type="datetime1">
               <a:rPr lang="en-US" smtClean="0"/>
-              <a:t>9/17/14</a:t>
+              <a:t>9/18/14</a:t>
             </a:fld>
             <a:endParaRPr lang="en-US"/>
           </a:p>
@@ -2437,7 +2437,7 @@
           <a:p>
             <a:fld id="{1A9C2FAC-F4B8-9A46-B70E-D63E2DA89B64}" type="datetime1">
               <a:rPr lang="en-US" smtClean="0"/>
-              <a:t>9/17/14</a:t>
+              <a:t>9/18/14</a:t>
             </a:fld>
             <a:endParaRPr lang="en-US"/>
           </a:p>
@@ -2532,7 +2532,7 @@
           <a:p>
             <a:fld id="{79506D41-9135-5E49-A615-CFE82CA54C9F}" type="datetime1">
               <a:rPr lang="en-US" smtClean="0"/>
-              <a:t>9/17/14</a:t>
+              <a:t>9/18/14</a:t>
             </a:fld>
             <a:endParaRPr lang="en-US"/>
           </a:p>
@@ -2809,7 +2809,7 @@
           <a:p>
             <a:fld id="{46A5204B-8A87-D642-B331-44BEE290161B}" type="datetime1">
               <a:rPr lang="en-US" smtClean="0"/>
-              <a:t>9/17/14</a:t>
+              <a:t>9/18/14</a:t>
             </a:fld>
             <a:endParaRPr lang="en-US"/>
           </a:p>
@@ -3062,7 +3062,7 @@
           <a:p>
             <a:fld id="{162405E3-367C-264F-A8DB-24E665D4FE9E}" type="datetime1">
               <a:rPr lang="en-US" smtClean="0"/>
-              <a:t>9/17/14</a:t>
+              <a:t>9/18/14</a:t>
             </a:fld>
             <a:endParaRPr lang="en-US"/>
           </a:p>
@@ -3275,7 +3275,7 @@
           <a:p>
             <a:fld id="{11793064-3227-5A47-B9A6-3A5D78D09B8E}" type="datetime1">
               <a:rPr lang="en-US" smtClean="0"/>
-              <a:t>9/17/14</a:t>
+              <a:t>9/18/14</a:t>
             </a:fld>
             <a:endParaRPr lang="en-US"/>
           </a:p>
@@ -12557,14 +12557,14 @@
           <p:nvPr>
             <p:extLst>
               <p:ext uri="{D42A27DB-BD31-4B8C-83A1-F6EECF244321}">
-                <p14:modId xmlns:p14="http://schemas.microsoft.com/office/powerpoint/2010/main" val="749751707"/>
+                <p14:modId xmlns:p14="http://schemas.microsoft.com/office/powerpoint/2010/main" val="1236958142"/>
               </p:ext>
             </p:extLst>
           </p:nvPr>
         </p:nvGraphicFramePr>
         <p:xfrm>
           <a:off x="363104" y="1176580"/>
-          <a:ext cx="8573454" cy="5051430"/>
+          <a:ext cx="8573454" cy="4972299"/>
         </p:xfrm>
         <a:graphic>
           <a:graphicData uri="http://schemas.openxmlformats.org/drawingml/2006/table">
@@ -12693,11 +12693,35 @@
                     <a:bodyPr/>
                     <a:lstStyle/>
                     <a:p>
+                      <a:pPr marL="0" marR="0" indent="0" algn="l" defTabSz="457200" rtl="0" eaLnBrk="1" fontAlgn="auto" latinLnBrk="0" hangingPunct="1">
+                        <a:lnSpc>
+                          <a:spcPct val="100000"/>
+                        </a:lnSpc>
+                        <a:spcBef>
+                          <a:spcPts val="0"/>
+                        </a:spcBef>
+                        <a:spcAft>
+                          <a:spcPts val="0"/>
+                        </a:spcAft>
+                        <a:buClrTx/>
+                        <a:buSzTx/>
+                        <a:buFontTx/>
+                        <a:buNone/>
+                        <a:tabLst/>
+                        <a:defRPr/>
+                      </a:pPr>
                       <a:r>
-                        <a:rPr lang="en-US" dirty="0" smtClean="0"/>
-                        <a:t>UNIV Alabama Huntsville</a:t>
+                        <a:rPr lang="en-US" sz="1800" kern="1200" dirty="0" smtClean="0">
+                          <a:solidFill>
+                            <a:schemeClr val="dk1"/>
+                          </a:solidFill>
+                          <a:latin typeface="+mn-lt"/>
+                          <a:ea typeface="+mn-ea"/>
+                          <a:cs typeface="+mn-cs"/>
+                        </a:rPr>
+                        <a:t>NASA/MSFC/UAH</a:t>
                       </a:r>
-                      <a:endParaRPr lang="en-US" dirty="0"/>
+                      <a:endParaRPr lang="en-US" dirty="0" smtClean="0"/>
                     </a:p>
                   </a:txBody>
                   <a:tcPr/>
@@ -12755,9 +12779,17 @@
                         <a:defRPr/>
                       </a:pPr>
                       <a:r>
-                        <a:rPr lang="en-US" dirty="0" smtClean="0"/>
-                        <a:t>UNIV Alabama Huntsville</a:t>
+                        <a:rPr lang="en-US" sz="1800" kern="1200" dirty="0" smtClean="0">
+                          <a:solidFill>
+                            <a:schemeClr val="dk1"/>
+                          </a:solidFill>
+                          <a:latin typeface="+mn-lt"/>
+                          <a:ea typeface="+mn-ea"/>
+                          <a:cs typeface="+mn-cs"/>
+                        </a:rPr>
+                        <a:t>NASA/MSFC/UAH</a:t>
                       </a:r>
+                      <a:endParaRPr lang="en-US" dirty="0" smtClean="0"/>
                     </a:p>
                   </a:txBody>
                   <a:tcPr/>
@@ -12797,7 +12829,11 @@
                     <a:bodyPr/>
                     <a:lstStyle/>
                     <a:p>
-                      <a:endParaRPr lang="en-US"/>
+                      <a:r>
+                        <a:rPr lang="en-US" dirty="0" smtClean="0"/>
+                        <a:t>Kris Stanton</a:t>
+                      </a:r>
+                      <a:endParaRPr lang="en-US" dirty="0"/>
                     </a:p>
                   </a:txBody>
                   <a:tcPr/>
@@ -12807,7 +12843,18 @@
                     <a:bodyPr/>
                     <a:lstStyle/>
                     <a:p>
-                      <a:endParaRPr lang="en-US"/>
+                      <a:r>
+                        <a:rPr lang="en-US" sz="1800" kern="1200" dirty="0" smtClean="0">
+                          <a:solidFill>
+                            <a:schemeClr val="dk1"/>
+                          </a:solidFill>
+                          <a:latin typeface="+mn-lt"/>
+                          <a:ea typeface="+mn-ea"/>
+                          <a:cs typeface="+mn-cs"/>
+                        </a:rPr>
+                        <a:t>NASA/MSFC/USRA</a:t>
+                      </a:r>
+                      <a:endParaRPr lang="en-US" dirty="0"/>
                     </a:p>
                   </a:txBody>
                   <a:tcPr/>
@@ -12817,7 +12864,25 @@
                     <a:bodyPr/>
                     <a:lstStyle/>
                     <a:p>
-                      <a:endParaRPr lang="en-US"/>
+                      <a:r>
+                        <a:rPr lang="en-US" sz="1800" b="0" u="sng" kern="1200" dirty="0" err="1" smtClean="0">
+                          <a:solidFill>
+                            <a:schemeClr val="dk1"/>
+                          </a:solidFill>
+                          <a:effectLst/>
+                          <a:latin typeface="+mn-lt"/>
+                          <a:ea typeface="+mn-ea"/>
+                          <a:cs typeface="+mn-cs"/>
+                        </a:rPr>
+                        <a:t>kris.stanton@nasa.gov</a:t>
+                      </a:r>
+                      <a:r>
+                        <a:rPr lang="en-US" b="0" dirty="0" smtClean="0">
+                          <a:effectLst/>
+                        </a:rPr>
+                        <a:t> </a:t>
+                      </a:r>
+                      <a:endParaRPr lang="en-US" b="0" dirty="0"/>
                     </a:p>
                   </a:txBody>
                   <a:tcPr/>
@@ -12829,7 +12894,11 @@
                     <a:bodyPr/>
                     <a:lstStyle/>
                     <a:p>
-                      <a:endParaRPr lang="en-US"/>
+                      <a:r>
+                        <a:rPr lang="en-US" dirty="0" smtClean="0"/>
+                        <a:t>Francis Delgado</a:t>
+                      </a:r>
+                      <a:endParaRPr lang="en-US" dirty="0"/>
                     </a:p>
                   </a:txBody>
                   <a:tcPr/>
@@ -12839,7 +12908,18 @@
                     <a:bodyPr/>
                     <a:lstStyle/>
                     <a:p>
-                      <a:endParaRPr lang="en-US"/>
+                      <a:r>
+                        <a:rPr lang="en-US" sz="1800" kern="1200" dirty="0" smtClean="0">
+                          <a:solidFill>
+                            <a:schemeClr val="dk1"/>
+                          </a:solidFill>
+                          <a:latin typeface="+mn-lt"/>
+                          <a:ea typeface="+mn-ea"/>
+                          <a:cs typeface="+mn-cs"/>
+                        </a:rPr>
+                        <a:t>NASA/MSFC/USRA</a:t>
+                      </a:r>
+                      <a:endParaRPr lang="en-US" dirty="0"/>
                     </a:p>
                   </a:txBody>
                   <a:tcPr/>
@@ -12849,7 +12929,25 @@
                     <a:bodyPr/>
                     <a:lstStyle/>
                     <a:p>
-                      <a:endParaRPr lang="en-US"/>
+                      <a:r>
+                        <a:rPr lang="en-US" sz="1800" b="0" u="sng" kern="1200" dirty="0" err="1" smtClean="0">
+                          <a:solidFill>
+                            <a:schemeClr val="dk1"/>
+                          </a:solidFill>
+                          <a:effectLst/>
+                          <a:latin typeface="+mn-lt"/>
+                          <a:ea typeface="+mn-ea"/>
+                          <a:cs typeface="+mn-cs"/>
+                        </a:rPr>
+                        <a:t>francisco.delgadoolivares@nasa.gov</a:t>
+                      </a:r>
+                      <a:r>
+                        <a:rPr lang="en-US" b="0" dirty="0" smtClean="0">
+                          <a:effectLst/>
+                        </a:rPr>
+                        <a:t> </a:t>
+                      </a:r>
+                      <a:endParaRPr lang="en-US" b="0" dirty="0"/>
                     </a:p>
                   </a:txBody>
                   <a:tcPr/>
@@ -12861,6 +12959,14 @@
                     <a:bodyPr/>
                     <a:lstStyle/>
                     <a:p>
+                      <a:r>
+                        <a:rPr lang="en-US" dirty="0" smtClean="0"/>
+                        <a:t>Billy </a:t>
+                      </a:r>
+                      <a:r>
+                        <a:rPr lang="en-US" smtClean="0"/>
+                        <a:t>Ashmall</a:t>
+                      </a:r>
                       <a:endParaRPr lang="en-US"/>
                     </a:p>
                   </a:txBody>
@@ -12871,7 +12977,18 @@
                     <a:bodyPr/>
                     <a:lstStyle/>
                     <a:p>
-                      <a:endParaRPr lang="en-US"/>
+                      <a:r>
+                        <a:rPr lang="en-US" sz="1800" kern="1200" dirty="0" smtClean="0">
+                          <a:solidFill>
+                            <a:schemeClr val="dk1"/>
+                          </a:solidFill>
+                          <a:latin typeface="+mn-lt"/>
+                          <a:ea typeface="+mn-ea"/>
+                          <a:cs typeface="+mn-cs"/>
+                        </a:rPr>
+                        <a:t>NASA/MSFC/USRA</a:t>
+                      </a:r>
+                      <a:endParaRPr lang="en-US" dirty="0"/>
                     </a:p>
                   </a:txBody>
                   <a:tcPr/>
@@ -12881,7 +12998,27 @@
                     <a:bodyPr/>
                     <a:lstStyle/>
                     <a:p>
-                      <a:endParaRPr lang="en-US"/>
+                      <a:r>
+                        <a:rPr lang="en-US" sz="1800" b="0" u="sng" kern="1200" dirty="0" err="1" smtClean="0">
+                          <a:solidFill>
+                            <a:schemeClr val="dk1"/>
+                          </a:solidFill>
+                          <a:effectLst/>
+                          <a:latin typeface="+mn-lt"/>
+                          <a:ea typeface="+mn-ea"/>
+                          <a:cs typeface="+mn-cs"/>
+                        </a:rPr>
+                        <a:t>billy.ashmall@nasa.gov</a:t>
+                      </a:r>
+                      <a:endParaRPr lang="en-US" sz="1800" b="0" kern="1200" dirty="0">
+                        <a:solidFill>
+                          <a:schemeClr val="dk1"/>
+                        </a:solidFill>
+                        <a:effectLst/>
+                        <a:latin typeface="+mn-lt"/>
+                        <a:ea typeface="+mn-ea"/>
+                        <a:cs typeface="+mn-cs"/>
+                      </a:endParaRPr>
                     </a:p>
                   </a:txBody>
                   <a:tcPr/>
@@ -12893,7 +13030,29 @@
                     <a:bodyPr/>
                     <a:lstStyle/>
                     <a:p>
-                      <a:endParaRPr lang="en-US"/>
+                      <a:r>
+                        <a:rPr lang="en-US" sz="1800" kern="1200" dirty="0" smtClean="0">
+                          <a:solidFill>
+                            <a:schemeClr val="dk1"/>
+                          </a:solidFill>
+                          <a:latin typeface="+mn-lt"/>
+                          <a:ea typeface="+mn-ea"/>
+                          <a:cs typeface="+mn-cs"/>
+                        </a:rPr>
+                        <a:t>Anastasia </a:t>
+                      </a:r>
+                      <a:r>
+                        <a:rPr lang="en-US" sz="1800" kern="1200" dirty="0" err="1" smtClean="0">
+                          <a:solidFill>
+                            <a:schemeClr val="dk1"/>
+                          </a:solidFill>
+                          <a:latin typeface="+mn-lt"/>
+                          <a:ea typeface="+mn-ea"/>
+                          <a:cs typeface="+mn-cs"/>
+                        </a:rPr>
+                        <a:t>Wahome</a:t>
+                      </a:r>
+                      <a:endParaRPr lang="en-US" dirty="0"/>
                     </a:p>
                   </a:txBody>
                   <a:tcPr/>
@@ -12903,7 +13062,18 @@
                     <a:bodyPr/>
                     <a:lstStyle/>
                     <a:p>
-                      <a:endParaRPr lang="en-US"/>
+                      <a:r>
+                        <a:rPr lang="en-US" sz="1800" kern="1200" dirty="0" smtClean="0">
+                          <a:solidFill>
+                            <a:schemeClr val="dk1"/>
+                          </a:solidFill>
+                          <a:latin typeface="+mn-lt"/>
+                          <a:ea typeface="+mn-ea"/>
+                          <a:cs typeface="+mn-cs"/>
+                        </a:rPr>
+                        <a:t>RCMRD</a:t>
+                      </a:r>
+                      <a:endParaRPr lang="en-US" dirty="0"/>
                     </a:p>
                   </a:txBody>
                   <a:tcPr/>
@@ -12913,7 +13083,19 @@
                     <a:bodyPr/>
                     <a:lstStyle/>
                     <a:p>
-                      <a:endParaRPr lang="en-US"/>
+                      <a:r>
+                        <a:rPr lang="en-US" sz="1800" u="sng" kern="1200" dirty="0" smtClean="0">
+                          <a:solidFill>
+                            <a:schemeClr val="dk1"/>
+                          </a:solidFill>
+                          <a:latin typeface="+mn-lt"/>
+                          <a:ea typeface="+mn-ea"/>
+                          <a:cs typeface="+mn-cs"/>
+                          <a:hlinkClick r:id="rId2"/>
+                        </a:rPr>
+                        <a:t>awahome@rcmrd.org</a:t>
+                      </a:r>
+                      <a:endParaRPr lang="en-US" dirty="0"/>
                     </a:p>
                   </a:txBody>
                   <a:tcPr/>
@@ -12925,7 +13107,29 @@
                     <a:bodyPr/>
                     <a:lstStyle/>
                     <a:p>
-                      <a:endParaRPr lang="en-US"/>
+                      <a:r>
+                        <a:rPr lang="en-US" sz="1800" kern="1200" dirty="0" smtClean="0">
+                          <a:solidFill>
+                            <a:schemeClr val="dk1"/>
+                          </a:solidFill>
+                          <a:latin typeface="+mn-lt"/>
+                          <a:ea typeface="+mn-ea"/>
+                          <a:cs typeface="+mn-cs"/>
+                        </a:rPr>
+                        <a:t>Faith </a:t>
+                      </a:r>
+                      <a:r>
+                        <a:rPr lang="en-US" sz="1800" kern="1200" dirty="0" err="1" smtClean="0">
+                          <a:solidFill>
+                            <a:schemeClr val="dk1"/>
+                          </a:solidFill>
+                          <a:latin typeface="+mn-lt"/>
+                          <a:ea typeface="+mn-ea"/>
+                          <a:cs typeface="+mn-cs"/>
+                        </a:rPr>
+                        <a:t>Mitheu</a:t>
+                      </a:r>
+                      <a:endParaRPr lang="en-US" dirty="0"/>
                     </a:p>
                   </a:txBody>
                   <a:tcPr/>
@@ -12935,7 +13139,11 @@
                     <a:bodyPr/>
                     <a:lstStyle/>
                     <a:p>
-                      <a:endParaRPr lang="en-US"/>
+                      <a:r>
+                        <a:rPr lang="en-US" dirty="0" smtClean="0"/>
+                        <a:t>RCMRD</a:t>
+                      </a:r>
+                      <a:endParaRPr lang="en-US" dirty="0"/>
                     </a:p>
                   </a:txBody>
                   <a:tcPr/>
@@ -12945,7 +13153,19 @@
                     <a:bodyPr/>
                     <a:lstStyle/>
                     <a:p>
-                      <a:endParaRPr lang="en-US"/>
+                      <a:r>
+                        <a:rPr lang="en-US" sz="1800" u="sng" kern="1200" dirty="0" smtClean="0">
+                          <a:solidFill>
+                            <a:schemeClr val="dk1"/>
+                          </a:solidFill>
+                          <a:latin typeface="+mn-lt"/>
+                          <a:ea typeface="+mn-ea"/>
+                          <a:cs typeface="+mn-cs"/>
+                          <a:hlinkClick r:id="rId3"/>
+                        </a:rPr>
+                        <a:t>fmitheu@rcmrd.org</a:t>
+                      </a:r>
+                      <a:endParaRPr lang="en-US" dirty="0"/>
                     </a:p>
                   </a:txBody>
                   <a:tcPr/>
@@ -12957,7 +13177,29 @@
                     <a:bodyPr/>
                     <a:lstStyle/>
                     <a:p>
-                      <a:endParaRPr lang="en-US"/>
+                      <a:r>
+                        <a:rPr lang="en-US" sz="1800" kern="1200" dirty="0" smtClean="0">
+                          <a:solidFill>
+                            <a:schemeClr val="dk1"/>
+                          </a:solidFill>
+                          <a:latin typeface="+mn-lt"/>
+                          <a:ea typeface="+mn-ea"/>
+                          <a:cs typeface="+mn-cs"/>
+                        </a:rPr>
+                        <a:t>Denis </a:t>
+                      </a:r>
+                      <a:r>
+                        <a:rPr lang="en-US" sz="1800" kern="1200" dirty="0" err="1" smtClean="0">
+                          <a:solidFill>
+                            <a:schemeClr val="dk1"/>
+                          </a:solidFill>
+                          <a:latin typeface="+mn-lt"/>
+                          <a:ea typeface="+mn-ea"/>
+                          <a:cs typeface="+mn-cs"/>
+                        </a:rPr>
+                        <a:t>Macharia</a:t>
+                      </a:r>
+                      <a:endParaRPr lang="en-US" dirty="0"/>
                     </a:p>
                   </a:txBody>
                   <a:tcPr/>
@@ -12967,7 +13209,11 @@
                     <a:bodyPr/>
                     <a:lstStyle/>
                     <a:p>
-                      <a:endParaRPr lang="en-US"/>
+                      <a:r>
+                        <a:rPr lang="en-US" dirty="0" smtClean="0"/>
+                        <a:t>RCMRD</a:t>
+                      </a:r>
+                      <a:endParaRPr lang="en-US" dirty="0"/>
                     </a:p>
                   </a:txBody>
                   <a:tcPr/>
@@ -12977,6 +13223,18 @@
                     <a:bodyPr/>
                     <a:lstStyle/>
                     <a:p>
+                      <a:r>
+                        <a:rPr lang="en-US" sz="1800" u="sng" kern="1200" dirty="0" smtClean="0">
+                          <a:solidFill>
+                            <a:schemeClr val="dk1"/>
+                          </a:solidFill>
+                          <a:latin typeface="+mn-lt"/>
+                          <a:ea typeface="+mn-ea"/>
+                          <a:cs typeface="+mn-cs"/>
+                          <a:hlinkClick r:id="rId4"/>
+                        </a:rPr>
+                        <a:t>dmacharia@rcmrd.org</a:t>
+                      </a:r>
                       <a:endParaRPr lang="en-US" dirty="0"/>
                     </a:p>
                   </a:txBody>
@@ -14595,13 +14853,7 @@
               <a:rPr lang="en-US" sz="1200" dirty="0" smtClean="0">
                 <a:cs typeface="Courier"/>
               </a:rPr>
-              <a:t>Algorithm uses </a:t>
-            </a:r>
-            <a:r>
-              <a:rPr lang="en-US" sz="1200" dirty="0" smtClean="0">
-                <a:cs typeface="Courier"/>
-              </a:rPr>
-              <a:t>MNDWI and TOA</a:t>
+              <a:t>Algorithm uses MNDWI and TOA</a:t>
             </a:r>
           </a:p>
           <a:p>
@@ -14647,13 +14899,7 @@
               <a:rPr lang="en-US" sz="1200" dirty="0" smtClean="0">
                 <a:cs typeface="Courier"/>
               </a:rPr>
-              <a:t>Results could be improved with Atmospheric Correction and Co-</a:t>
-            </a:r>
-            <a:r>
-              <a:rPr lang="en-US" sz="1200" dirty="0" smtClean="0">
-                <a:cs typeface="Courier"/>
-              </a:rPr>
-              <a:t>Registration</a:t>
+              <a:t>Results could be improved with Atmospheric Correction and Co-Registration</a:t>
             </a:r>
           </a:p>
           <a:p>

--- a/FloodMappingWorkshop.pptx
+++ b/FloodMappingWorkshop.pptx
@@ -227,7 +227,7 @@
           <a:p>
             <a:fld id="{6AEAE0EB-25CF-2F46-843C-1A0CFED83F3C}" type="datetimeFigureOut">
               <a:rPr lang="en-US" smtClean="0"/>
-              <a:t>9/18/14</a:t>
+              <a:t>9/19/14</a:t>
             </a:fld>
             <a:endParaRPr lang="en-US"/>
           </a:p>
@@ -393,7 +393,7 @@
           <a:p>
             <a:fld id="{37762B48-3789-7C45-9DAE-CD684899197F}" type="datetimeFigureOut">
               <a:rPr lang="en-US" smtClean="0"/>
-              <a:t>9/18/14</a:t>
+              <a:t>9/19/14</a:t>
             </a:fld>
             <a:endParaRPr lang="en-US"/>
           </a:p>
@@ -843,7 +843,7 @@
           <a:p>
             <a:fld id="{782C590E-73E6-BE4C-8D17-32B84AC12780}" type="datetime1">
               <a:rPr lang="en-US" smtClean="0"/>
-              <a:t>9/18/14</a:t>
+              <a:t>9/19/14</a:t>
             </a:fld>
             <a:endParaRPr lang="en-US"/>
           </a:p>
@@ -1013,7 +1013,7 @@
           <a:p>
             <a:fld id="{62A5A434-B217-3043-9FB0-91DFE224FB01}" type="datetime1">
               <a:rPr lang="en-US" smtClean="0"/>
-              <a:t>9/18/14</a:t>
+              <a:t>9/19/14</a:t>
             </a:fld>
             <a:endParaRPr lang="en-US"/>
           </a:p>
@@ -1193,7 +1193,7 @@
           <a:p>
             <a:fld id="{53968034-2EFD-7D4F-993E-D3A003C8BD11}" type="datetime1">
               <a:rPr lang="en-US" smtClean="0"/>
-              <a:t>9/18/14</a:t>
+              <a:t>9/19/14</a:t>
             </a:fld>
             <a:endParaRPr lang="en-US"/>
           </a:p>
@@ -1363,7 +1363,7 @@
           <a:p>
             <a:fld id="{B96177CD-2479-6842-BB82-2B2C44E50D47}" type="datetime1">
               <a:rPr lang="en-US" smtClean="0"/>
-              <a:t>9/18/14</a:t>
+              <a:t>9/19/14</a:t>
             </a:fld>
             <a:endParaRPr lang="en-US"/>
           </a:p>
@@ -1609,7 +1609,7 @@
           <a:p>
             <a:fld id="{3F2555FD-18D1-2643-AB9E-55E248901A68}" type="datetime1">
               <a:rPr lang="en-US" smtClean="0"/>
-              <a:t>9/18/14</a:t>
+              <a:t>9/19/14</a:t>
             </a:fld>
             <a:endParaRPr lang="en-US"/>
           </a:p>
@@ -1897,7 +1897,7 @@
           <a:p>
             <a:fld id="{0AC77C15-3837-304F-AEA1-ADC2CE3CD97D}" type="datetime1">
               <a:rPr lang="en-US" smtClean="0"/>
-              <a:t>9/18/14</a:t>
+              <a:t>9/19/14</a:t>
             </a:fld>
             <a:endParaRPr lang="en-US"/>
           </a:p>
@@ -2319,7 +2319,7 @@
           <a:p>
             <a:fld id="{519ED786-5B7C-B746-963E-20BE429A27AB}" type="datetime1">
               <a:rPr lang="en-US" smtClean="0"/>
-              <a:t>9/18/14</a:t>
+              <a:t>9/19/14</a:t>
             </a:fld>
             <a:endParaRPr lang="en-US"/>
           </a:p>
@@ -2437,7 +2437,7 @@
           <a:p>
             <a:fld id="{1A9C2FAC-F4B8-9A46-B70E-D63E2DA89B64}" type="datetime1">
               <a:rPr lang="en-US" smtClean="0"/>
-              <a:t>9/18/14</a:t>
+              <a:t>9/19/14</a:t>
             </a:fld>
             <a:endParaRPr lang="en-US"/>
           </a:p>
@@ -2532,7 +2532,7 @@
           <a:p>
             <a:fld id="{79506D41-9135-5E49-A615-CFE82CA54C9F}" type="datetime1">
               <a:rPr lang="en-US" smtClean="0"/>
-              <a:t>9/18/14</a:t>
+              <a:t>9/19/14</a:t>
             </a:fld>
             <a:endParaRPr lang="en-US"/>
           </a:p>
@@ -2809,7 +2809,7 @@
           <a:p>
             <a:fld id="{46A5204B-8A87-D642-B331-44BEE290161B}" type="datetime1">
               <a:rPr lang="en-US" smtClean="0"/>
-              <a:t>9/18/14</a:t>
+              <a:t>9/19/14</a:t>
             </a:fld>
             <a:endParaRPr lang="en-US"/>
           </a:p>
@@ -3062,7 +3062,7 @@
           <a:p>
             <a:fld id="{162405E3-367C-264F-A8DB-24E665D4FE9E}" type="datetime1">
               <a:rPr lang="en-US" smtClean="0"/>
-              <a:t>9/18/14</a:t>
+              <a:t>9/19/14</a:t>
             </a:fld>
             <a:endParaRPr lang="en-US"/>
           </a:p>
@@ -3275,7 +3275,7 @@
           <a:p>
             <a:fld id="{11793064-3227-5A47-B9A6-3A5D78D09B8E}" type="datetime1">
               <a:rPr lang="en-US" smtClean="0"/>
-              <a:t>9/18/14</a:t>
+              <a:t>9/19/14</a:t>
             </a:fld>
             <a:endParaRPr lang="en-US"/>
           </a:p>
@@ -9918,7 +9918,12 @@
             <p:ph idx="1"/>
           </p:nvPr>
         </p:nvSpPr>
-        <p:spPr/>
+        <p:spPr>
+          <a:xfrm>
+            <a:off x="2879110" y="2453091"/>
+            <a:ext cx="5807690" cy="3673072"/>
+          </a:xfrm>
+        </p:spPr>
         <p:txBody>
           <a:bodyPr/>
           <a:lstStyle/>
@@ -9942,8 +9947,22 @@
           </a:p>
           <a:p>
             <a:r>
-              <a:rPr lang="en-US" dirty="0" smtClean="0"/>
-              <a:t>Order Desk</a:t>
+              <a:rPr lang="en-US" dirty="0" smtClean="0">
+                <a:hlinkClick r:id="rId2"/>
+              </a:rPr>
+              <a:t>Order </a:t>
+            </a:r>
+            <a:r>
+              <a:rPr lang="en-US" dirty="0" smtClean="0"/>
+              <a:t>Desk</a:t>
+            </a:r>
+          </a:p>
+          <a:p>
+            <a:r>
+              <a:rPr lang="en-US" dirty="0" smtClean="0">
+                <a:hlinkClick r:id="rId3"/>
+              </a:rPr>
+              <a:t>Archives</a:t>
             </a:r>
             <a:endParaRPr lang="en-US" dirty="0"/>
           </a:p>
@@ -9972,6 +9991,30 @@
           </a:p>
         </p:txBody>
       </p:sp>
+      <p:pic>
+        <p:nvPicPr>
+          <p:cNvPr id="5" name="Picture 4"/>
+          <p:cNvPicPr>
+            <a:picLocks noChangeAspect="1"/>
+          </p:cNvPicPr>
+          <p:nvPr/>
+        </p:nvPicPr>
+        <p:blipFill>
+          <a:blip r:embed="rId4"/>
+          <a:stretch>
+            <a:fillRect/>
+          </a:stretch>
+        </p:blipFill>
+        <p:spPr>
+          <a:xfrm>
+            <a:off x="520323" y="159983"/>
+            <a:ext cx="2032000" cy="2032000"/>
+          </a:xfrm>
+          <a:prstGeom prst="rect">
+            <a:avLst/>
+          </a:prstGeom>
+        </p:spPr>
+      </p:pic>
     </p:spTree>
     <p:extLst>
       <p:ext uri="{BB962C8B-B14F-4D97-AF65-F5344CB8AC3E}">

--- a/FloodMappingWorkshop.pptx
+++ b/FloodMappingWorkshop.pptx
@@ -227,7 +227,7 @@
           <a:p>
             <a:fld id="{6AEAE0EB-25CF-2F46-843C-1A0CFED83F3C}" type="datetimeFigureOut">
               <a:rPr lang="en-US" smtClean="0"/>
-              <a:t>9/19/14</a:t>
+              <a:t>9/22/14</a:t>
             </a:fld>
             <a:endParaRPr lang="en-US"/>
           </a:p>
@@ -393,7 +393,7 @@
           <a:p>
             <a:fld id="{37762B48-3789-7C45-9DAE-CD684899197F}" type="datetimeFigureOut">
               <a:rPr lang="en-US" smtClean="0"/>
-              <a:t>9/19/14</a:t>
+              <a:t>9/22/14</a:t>
             </a:fld>
             <a:endParaRPr lang="en-US"/>
           </a:p>
@@ -843,7 +843,7 @@
           <a:p>
             <a:fld id="{782C590E-73E6-BE4C-8D17-32B84AC12780}" type="datetime1">
               <a:rPr lang="en-US" smtClean="0"/>
-              <a:t>9/19/14</a:t>
+              <a:t>9/22/14</a:t>
             </a:fld>
             <a:endParaRPr lang="en-US"/>
           </a:p>
@@ -1013,7 +1013,7 @@
           <a:p>
             <a:fld id="{62A5A434-B217-3043-9FB0-91DFE224FB01}" type="datetime1">
               <a:rPr lang="en-US" smtClean="0"/>
-              <a:t>9/19/14</a:t>
+              <a:t>9/22/14</a:t>
             </a:fld>
             <a:endParaRPr lang="en-US"/>
           </a:p>
@@ -1193,7 +1193,7 @@
           <a:p>
             <a:fld id="{53968034-2EFD-7D4F-993E-D3A003C8BD11}" type="datetime1">
               <a:rPr lang="en-US" smtClean="0"/>
-              <a:t>9/19/14</a:t>
+              <a:t>9/22/14</a:t>
             </a:fld>
             <a:endParaRPr lang="en-US"/>
           </a:p>
@@ -1363,7 +1363,7 @@
           <a:p>
             <a:fld id="{B96177CD-2479-6842-BB82-2B2C44E50D47}" type="datetime1">
               <a:rPr lang="en-US" smtClean="0"/>
-              <a:t>9/19/14</a:t>
+              <a:t>9/22/14</a:t>
             </a:fld>
             <a:endParaRPr lang="en-US"/>
           </a:p>
@@ -1609,7 +1609,7 @@
           <a:p>
             <a:fld id="{3F2555FD-18D1-2643-AB9E-55E248901A68}" type="datetime1">
               <a:rPr lang="en-US" smtClean="0"/>
-              <a:t>9/19/14</a:t>
+              <a:t>9/22/14</a:t>
             </a:fld>
             <a:endParaRPr lang="en-US"/>
           </a:p>
@@ -1897,7 +1897,7 @@
           <a:p>
             <a:fld id="{0AC77C15-3837-304F-AEA1-ADC2CE3CD97D}" type="datetime1">
               <a:rPr lang="en-US" smtClean="0"/>
-              <a:t>9/19/14</a:t>
+              <a:t>9/22/14</a:t>
             </a:fld>
             <a:endParaRPr lang="en-US"/>
           </a:p>
@@ -2319,7 +2319,7 @@
           <a:p>
             <a:fld id="{519ED786-5B7C-B746-963E-20BE429A27AB}" type="datetime1">
               <a:rPr lang="en-US" smtClean="0"/>
-              <a:t>9/19/14</a:t>
+              <a:t>9/22/14</a:t>
             </a:fld>
             <a:endParaRPr lang="en-US"/>
           </a:p>
@@ -2437,7 +2437,7 @@
           <a:p>
             <a:fld id="{1A9C2FAC-F4B8-9A46-B70E-D63E2DA89B64}" type="datetime1">
               <a:rPr lang="en-US" smtClean="0"/>
-              <a:t>9/19/14</a:t>
+              <a:t>9/22/14</a:t>
             </a:fld>
             <a:endParaRPr lang="en-US"/>
           </a:p>
@@ -2532,7 +2532,7 @@
           <a:p>
             <a:fld id="{79506D41-9135-5E49-A615-CFE82CA54C9F}" type="datetime1">
               <a:rPr lang="en-US" smtClean="0"/>
-              <a:t>9/19/14</a:t>
+              <a:t>9/22/14</a:t>
             </a:fld>
             <a:endParaRPr lang="en-US"/>
           </a:p>
@@ -2809,7 +2809,7 @@
           <a:p>
             <a:fld id="{46A5204B-8A87-D642-B331-44BEE290161B}" type="datetime1">
               <a:rPr lang="en-US" smtClean="0"/>
-              <a:t>9/19/14</a:t>
+              <a:t>9/22/14</a:t>
             </a:fld>
             <a:endParaRPr lang="en-US"/>
           </a:p>
@@ -3062,7 +3062,7 @@
           <a:p>
             <a:fld id="{162405E3-367C-264F-A8DB-24E665D4FE9E}" type="datetime1">
               <a:rPr lang="en-US" smtClean="0"/>
-              <a:t>9/19/14</a:t>
+              <a:t>9/22/14</a:t>
             </a:fld>
             <a:endParaRPr lang="en-US"/>
           </a:p>
@@ -3275,7 +3275,7 @@
           <a:p>
             <a:fld id="{11793064-3227-5A47-B9A6-3A5D78D09B8E}" type="datetime1">
               <a:rPr lang="en-US" smtClean="0"/>
-              <a:t>9/19/14</a:t>
+              <a:t>9/22/14</a:t>
             </a:fld>
             <a:endParaRPr lang="en-US"/>
           </a:p>
@@ -12159,7 +12159,12 @@
             <p:ph type="title"/>
           </p:nvPr>
         </p:nvSpPr>
-        <p:spPr/>
+        <p:spPr>
+          <a:xfrm>
+            <a:off x="526786" y="22370"/>
+            <a:ext cx="8229600" cy="1143000"/>
+          </a:xfrm>
+        </p:spPr>
         <p:txBody>
           <a:bodyPr/>
           <a:lstStyle/>
@@ -12182,10 +12187,15 @@
             <p:ph idx="1"/>
           </p:nvPr>
         </p:nvSpPr>
-        <p:spPr/>
+        <p:spPr>
+          <a:xfrm>
+            <a:off x="457200" y="1276712"/>
+            <a:ext cx="8229600" cy="4525963"/>
+          </a:xfrm>
+        </p:spPr>
         <p:txBody>
           <a:bodyPr>
-            <a:normAutofit/>
+            <a:normAutofit fontScale="92500" lnSpcReduction="10000"/>
           </a:bodyPr>
           <a:lstStyle/>
           <a:p>
@@ -12213,10 +12223,14 @@
               <a:t>Get Simplified </a:t>
             </a:r>
             <a:r>
-              <a:rPr lang="en-US" dirty="0" err="1" smtClean="0">
+              <a:rPr lang="en-US" dirty="0" smtClean="0">
                 <a:hlinkClick r:id="rId4"/>
               </a:rPr>
               <a:t>GeoTIFF</a:t>
+            </a:r>
+            <a:r>
+              <a:rPr lang="en-US" dirty="0" smtClean="0"/>
+              <a:t> and associated jpg and rename appropriately for that day</a:t>
             </a:r>
             <a:endParaRPr lang="en-US" dirty="0" smtClean="0"/>
           </a:p>
@@ -12255,7 +12269,29 @@
             </a:r>
             <a:r>
               <a:rPr lang="en-US" dirty="0" smtClean="0"/>
-              <a:t>2014Bangladesh4178</a:t>
+              <a:t>20140921_Bangladesh_4178</a:t>
+            </a:r>
+          </a:p>
+          <a:p>
+            <a:pPr lvl="1"/>
+            <a:r>
+              <a:rPr lang="en-US" dirty="0" smtClean="0"/>
+              <a:t>Load database</a:t>
+            </a:r>
+          </a:p>
+          <a:p>
+            <a:pPr lvl="2"/>
+            <a:r>
+              <a:rPr lang="en-US" dirty="0" err="1"/>
+              <a:t>l</a:t>
+            </a:r>
+            <a:r>
+              <a:rPr lang="en-US" dirty="0" err="1" smtClean="0"/>
+              <a:t>oad_dfo</a:t>
+            </a:r>
+            <a:r>
+              <a:rPr lang="en-US" dirty="0" smtClean="0"/>
+              <a:t> –scene 20140921_Bangladesh_4178</a:t>
             </a:r>
             <a:endParaRPr lang="en-US" dirty="0"/>
           </a:p>
@@ -12295,16 +12331,21 @@
             </a:r>
             <a:r>
               <a:rPr lang="en-US" sz="2000" dirty="0" err="1" smtClean="0"/>
-              <a:t>Mapbox</a:t>
+              <a:t>MapBox</a:t>
             </a:r>
             <a:r>
               <a:rPr lang="en-US" sz="2000" dirty="0" smtClean="0"/>
-              <a:t> Account)</a:t>
+              <a:t> </a:t>
+            </a:r>
+            <a:r>
+              <a:rPr lang="en-US" sz="2000" dirty="0" smtClean="0"/>
+              <a:t>Account</a:t>
+            </a:r>
+            <a:r>
+              <a:rPr lang="en-US" sz="2000" dirty="0" smtClean="0"/>
+              <a:t>)</a:t>
             </a:r>
             <a:endParaRPr lang="en-US" dirty="0" smtClean="0"/>
-          </a:p>
-          <a:p>
-            <a:endParaRPr lang="en-US" dirty="0"/>
           </a:p>
         </p:txBody>
       </p:sp>
@@ -12347,8 +12388,8 @@
         </p:blipFill>
         <p:spPr>
           <a:xfrm>
-            <a:off x="4826849" y="5794375"/>
-            <a:ext cx="2984500" cy="927100"/>
+            <a:off x="5575557" y="6026951"/>
+            <a:ext cx="2235792" cy="694523"/>
           </a:xfrm>
           <a:prstGeom prst="rect">
             <a:avLst/>
